--- a/Текст,презентация/Презентация.pptx
+++ b/Текст,презентация/Презентация.pptx
@@ -8,8 +8,10 @@
     <p:sldId id="256" r:id="rId2"/>
     <p:sldId id="257" r:id="rId3"/>
     <p:sldId id="258" r:id="rId4"/>
-    <p:sldId id="259" r:id="rId5"/>
-    <p:sldId id="260" r:id="rId6"/>
+    <p:sldId id="261" r:id="rId5"/>
+    <p:sldId id="259" r:id="rId6"/>
+    <p:sldId id="260" r:id="rId7"/>
+    <p:sldId id="262" r:id="rId8"/>
   </p:sldIdLst>
   <p:sldSz cx="9144000" cy="6858000" type="screen4x3"/>
   <p:notesSz cx="6858000" cy="9144000"/>
@@ -108,6 +110,23 @@
       </a:defRPr>
     </a:lvl9pPr>
   </p:defaultTextStyle>
+  <p:extLst>
+    <p:ext uri="{521415D9-36F7-43E2-AB2F-B90AF26B5E84}">
+      <p14:sectionLst xmlns:p14="http://schemas.microsoft.com/office/powerpoint/2010/main">
+        <p14:section name="Раздел по умолчанию" id="{CA72D95F-03C7-44F5-83BE-24152981D3E1}">
+          <p14:sldIdLst>
+            <p14:sldId id="256"/>
+            <p14:sldId id="257"/>
+            <p14:sldId id="258"/>
+            <p14:sldId id="261"/>
+            <p14:sldId id="259"/>
+            <p14:sldId id="260"/>
+            <p14:sldId id="262"/>
+          </p14:sldIdLst>
+        </p14:section>
+      </p14:sectionLst>
+    </p:ext>
+  </p:extLst>
 </p:presentation>
 </file>
 
@@ -222,7 +241,7 @@
           <a:p>
             <a:fld id="{22576626-CEEB-4229-87C8-F4E446045C79}" type="datetimeFigureOut">
               <a:rPr lang="ru-RU" smtClean="0"/>
-              <a:t>07.11.2019</a:t>
+              <a:t>08.11.2019</a:t>
             </a:fld>
             <a:endParaRPr lang="ru-RU"/>
           </a:p>
@@ -448,7 +467,7 @@
           <a:p>
             <a:fld id="{22576626-CEEB-4229-87C8-F4E446045C79}" type="datetimeFigureOut">
               <a:rPr lang="ru-RU" smtClean="0"/>
-              <a:t>07.11.2019</a:t>
+              <a:t>08.11.2019</a:t>
             </a:fld>
             <a:endParaRPr lang="ru-RU"/>
           </a:p>
@@ -623,7 +642,7 @@
           <a:p>
             <a:fld id="{22576626-CEEB-4229-87C8-F4E446045C79}" type="datetimeFigureOut">
               <a:rPr lang="ru-RU" smtClean="0"/>
-              <a:t>07.11.2019</a:t>
+              <a:t>08.11.2019</a:t>
             </a:fld>
             <a:endParaRPr lang="ru-RU"/>
           </a:p>
@@ -788,7 +807,7 @@
           <a:p>
             <a:fld id="{22576626-CEEB-4229-87C8-F4E446045C79}" type="datetimeFigureOut">
               <a:rPr lang="ru-RU" smtClean="0"/>
-              <a:t>07.11.2019</a:t>
+              <a:t>08.11.2019</a:t>
             </a:fld>
             <a:endParaRPr lang="ru-RU"/>
           </a:p>
@@ -1032,7 +1051,7 @@
           <a:p>
             <a:fld id="{22576626-CEEB-4229-87C8-F4E446045C79}" type="datetimeFigureOut">
               <a:rPr lang="ru-RU" smtClean="0"/>
-              <a:t>07.11.2019</a:t>
+              <a:t>08.11.2019</a:t>
             </a:fld>
             <a:endParaRPr lang="ru-RU"/>
           </a:p>
@@ -1296,7 +1315,7 @@
           <a:p>
             <a:fld id="{22576626-CEEB-4229-87C8-F4E446045C79}" type="datetimeFigureOut">
               <a:rPr lang="ru-RU" smtClean="0"/>
-              <a:t>07.11.2019</a:t>
+              <a:t>08.11.2019</a:t>
             </a:fld>
             <a:endParaRPr lang="ru-RU"/>
           </a:p>
@@ -1670,7 +1689,7 @@
           <a:p>
             <a:fld id="{22576626-CEEB-4229-87C8-F4E446045C79}" type="datetimeFigureOut">
               <a:rPr lang="ru-RU" smtClean="0"/>
-              <a:t>07.11.2019</a:t>
+              <a:t>08.11.2019</a:t>
             </a:fld>
             <a:endParaRPr lang="ru-RU"/>
           </a:p>
@@ -1783,7 +1802,7 @@
           <a:p>
             <a:fld id="{22576626-CEEB-4229-87C8-F4E446045C79}" type="datetimeFigureOut">
               <a:rPr lang="ru-RU" smtClean="0"/>
-              <a:t>07.11.2019</a:t>
+              <a:t>08.11.2019</a:t>
             </a:fld>
             <a:endParaRPr lang="ru-RU"/>
           </a:p>
@@ -1873,7 +1892,7 @@
           <a:p>
             <a:fld id="{22576626-CEEB-4229-87C8-F4E446045C79}" type="datetimeFigureOut">
               <a:rPr lang="ru-RU" smtClean="0"/>
-              <a:t>07.11.2019</a:t>
+              <a:t>08.11.2019</a:t>
             </a:fld>
             <a:endParaRPr lang="ru-RU"/>
           </a:p>
@@ -2131,7 +2150,7 @@
           <a:p>
             <a:fld id="{22576626-CEEB-4229-87C8-F4E446045C79}" type="datetimeFigureOut">
               <a:rPr lang="ru-RU" smtClean="0"/>
-              <a:t>07.11.2019</a:t>
+              <a:t>08.11.2019</a:t>
             </a:fld>
             <a:endParaRPr lang="ru-RU"/>
           </a:p>
@@ -2395,7 +2414,7 @@
           <a:p>
             <a:fld id="{22576626-CEEB-4229-87C8-F4E446045C79}" type="datetimeFigureOut">
               <a:rPr lang="ru-RU" smtClean="0"/>
-              <a:t>07.11.2019</a:t>
+              <a:t>08.11.2019</a:t>
             </a:fld>
             <a:endParaRPr lang="ru-RU"/>
           </a:p>
@@ -2612,7 +2631,7 @@
           <a:p>
             <a:fld id="{22576626-CEEB-4229-87C8-F4E446045C79}" type="datetimeFigureOut">
               <a:rPr lang="ru-RU" smtClean="0"/>
-              <a:t>07.11.2019</a:t>
+              <a:t>08.11.2019</a:t>
             </a:fld>
             <a:endParaRPr lang="ru-RU"/>
           </a:p>
@@ -3150,7 +3169,7 @@
           <a:p>
             <a:r>
               <a:rPr lang="ru-RU" dirty="0" smtClean="0"/>
-              <a:t>Мой личный интерес</a:t>
+              <a:t>Идея проекта</a:t>
             </a:r>
             <a:endParaRPr lang="ru-RU" dirty="0"/>
           </a:p>
@@ -3176,23 +3195,11 @@
             </a:pPr>
             <a:r>
               <a:rPr lang="ru-RU" dirty="0" smtClean="0"/>
-              <a:t>Я выбрал данный проект </a:t>
+              <a:t>Проект создан для решений квадратных уравнений с объяснением решения</a:t>
             </a:r>
             <a:r>
               <a:rPr lang="en-US" dirty="0" smtClean="0"/>
-              <a:t>, </a:t>
-            </a:r>
-            <a:r>
-              <a:rPr lang="ru-RU" dirty="0" smtClean="0"/>
-              <a:t>чтобы в будущем намного упростить свою работу при решение домашнего задания по алгебре</a:t>
-            </a:r>
-            <a:r>
-              <a:rPr lang="en-US" dirty="0" smtClean="0"/>
-              <a:t>.</a:t>
-            </a:r>
-            <a:r>
-              <a:rPr lang="ru-RU" dirty="0" smtClean="0"/>
-              <a:t> </a:t>
+              <a:t>. </a:t>
             </a:r>
             <a:endParaRPr lang="ru-RU" dirty="0"/>
           </a:p>
@@ -3252,7 +3259,7 @@
           <a:p>
             <a:r>
               <a:rPr lang="ru-RU" dirty="0" smtClean="0"/>
-              <a:t>Технологии</a:t>
+              <a:t>Особенности</a:t>
             </a:r>
             <a:endParaRPr lang="ru-RU" dirty="0"/>
           </a:p>
@@ -3279,98 +3286,88 @@
               <a:buNone/>
             </a:pPr>
             <a:r>
-              <a:rPr lang="ru-RU" sz="2000" dirty="0" smtClean="0"/>
-              <a:t>Проект реализован с помощью </a:t>
-            </a:r>
-            <a:r>
-              <a:rPr lang="en-US" sz="2000" dirty="0" smtClean="0"/>
-              <a:t>python </a:t>
-            </a:r>
-            <a:r>
-              <a:rPr lang="ru-RU" sz="2000" dirty="0" smtClean="0"/>
-              <a:t>и </a:t>
-            </a:r>
-            <a:r>
-              <a:rPr lang="en-US" sz="2000" dirty="0" smtClean="0"/>
-              <a:t>Pyqt5 </a:t>
-            </a:r>
-            <a:r>
-              <a:rPr lang="ru-RU" sz="2000" dirty="0" smtClean="0"/>
-              <a:t>с </a:t>
-            </a:r>
-            <a:r>
-              <a:rPr lang="en-US" sz="2000" b="1" dirty="0" err="1" smtClean="0"/>
-              <a:t>QtDesigner</a:t>
-            </a:r>
-            <a:r>
-              <a:rPr lang="en-US" sz="2000" b="1" dirty="0" smtClean="0"/>
-              <a:t>.</a:t>
-            </a:r>
-            <a:endParaRPr lang="ru-RU" sz="2000" b="1" dirty="0" smtClean="0"/>
+              <a:rPr lang="ru-RU" sz="2800" dirty="0" smtClean="0"/>
+              <a:t>Два режима работы</a:t>
+            </a:r>
+            <a:r>
+              <a:rPr lang="en-US" sz="2800" dirty="0" smtClean="0"/>
+              <a:t>:</a:t>
+            </a:r>
+            <a:endParaRPr lang="ru-RU" sz="2800" dirty="0" smtClean="0"/>
           </a:p>
           <a:p>
             <a:pPr marL="137160" indent="0">
               <a:buNone/>
             </a:pPr>
             <a:r>
-              <a:rPr lang="ru-RU" sz="2000" b="1" dirty="0" smtClean="0"/>
-              <a:t>Библиотеки</a:t>
-            </a:r>
-            <a:r>
-              <a:rPr lang="en-US" sz="2000" b="1" dirty="0" smtClean="0"/>
-              <a:t>:</a:t>
-            </a:r>
+              <a:rPr lang="en-US" sz="2800" dirty="0" smtClean="0"/>
+              <a:t>1)</a:t>
+            </a:r>
+            <a:r>
+              <a:rPr lang="ru-RU" sz="2800" dirty="0" smtClean="0"/>
+              <a:t>Быстрый</a:t>
+            </a:r>
+            <a:endParaRPr lang="en-US" sz="2800" dirty="0" smtClean="0"/>
           </a:p>
           <a:p>
             <a:pPr marL="137160" indent="0">
               <a:buNone/>
             </a:pPr>
             <a:r>
-              <a:rPr lang="en-US" sz="2000" dirty="0" smtClean="0"/>
-              <a:t>PyQt5.QtWidgets(</a:t>
-            </a:r>
-            <a:r>
-              <a:rPr lang="en-US" sz="2000" dirty="0" err="1" smtClean="0"/>
-              <a:t>QApplication,QMainWindow</a:t>
-            </a:r>
-            <a:r>
-              <a:rPr lang="en-US" sz="2000" dirty="0" smtClean="0"/>
-              <a:t>)</a:t>
-            </a:r>
-            <a:endParaRPr lang="en-US" sz="2000" b="1" dirty="0" smtClean="0"/>
+              <a:rPr lang="en-US" sz="2800" dirty="0" smtClean="0"/>
+              <a:t>2)</a:t>
+            </a:r>
+            <a:r>
+              <a:rPr lang="ru-RU" sz="2800" dirty="0" smtClean="0"/>
+              <a:t>Пошаговый</a:t>
+            </a:r>
+            <a:endParaRPr lang="en-US" sz="2800" dirty="0" smtClean="0"/>
+          </a:p>
+          <a:p>
+            <a:pPr marL="971550" lvl="1" indent="-514350">
+              <a:buFont typeface="+mj-lt"/>
+              <a:buAutoNum type="arabicPeriod"/>
+            </a:pPr>
+            <a:endParaRPr lang="en-US" dirty="0" smtClean="0"/>
           </a:p>
           <a:p>
             <a:pPr marL="137160" indent="0">
               <a:buNone/>
             </a:pPr>
-            <a:endParaRPr lang="en-US" sz="2800" b="1" dirty="0"/>
-          </a:p>
+            <a:r>
+              <a:rPr lang="en-US" sz="2800" dirty="0"/>
+              <a:t>	</a:t>
+            </a:r>
+            <a:endParaRPr lang="ru-RU" sz="2800" dirty="0"/>
+          </a:p>
+        </p:txBody>
+      </p:sp>
+      <p:sp>
+        <p:nvSpPr>
+          <p:cNvPr id="5" name="Объект 4"/>
+          <p:cNvSpPr>
+            <a:spLocks noGrp="1"/>
+          </p:cNvSpPr>
+          <p:nvPr>
+            <p:ph sz="half" idx="2"/>
+          </p:nvPr>
+        </p:nvSpPr>
+        <p:spPr/>
+        <p:txBody>
+          <a:bodyPr/>
+          <a:lstStyle/>
           <a:p>
             <a:pPr marL="137160" indent="0">
               <a:buNone/>
             </a:pPr>
-            <a:endParaRPr lang="ru-RU" sz="2800" dirty="0"/>
-          </a:p>
-        </p:txBody>
-      </p:sp>
-      <p:sp>
-        <p:nvSpPr>
-          <p:cNvPr id="5" name="Объект 4"/>
-          <p:cNvSpPr>
-            <a:spLocks noGrp="1"/>
-          </p:cNvSpPr>
-          <p:nvPr>
-            <p:ph sz="half" idx="2"/>
-          </p:nvPr>
-        </p:nvSpPr>
-        <p:spPr/>
-        <p:txBody>
-          <a:bodyPr/>
-          <a:lstStyle/>
-          <a:p>
-            <a:pPr marL="137160" indent="0">
-              <a:buNone/>
-            </a:pPr>
+            <a:r>
+              <a:rPr lang="ru-RU" dirty="0" smtClean="0"/>
+              <a:t>Три способа нахождения корней уравнения</a:t>
+            </a:r>
+            <a:r>
+              <a:rPr lang="en-US" dirty="0" smtClean="0"/>
+              <a:t>.</a:t>
+            </a:r>
             <a:endParaRPr lang="ru-RU" dirty="0"/>
           </a:p>
         </p:txBody>
@@ -3396,6 +3393,108 @@
 </file>
 
 <file path=ppt/slides/slide4.xml><?xml version="1.0" encoding="utf-8"?>
+<p:sld xmlns:a="http://schemas.openxmlformats.org/drawingml/2006/main" xmlns:r="http://schemas.openxmlformats.org/officeDocument/2006/relationships" xmlns:p="http://schemas.openxmlformats.org/presentationml/2006/main">
+  <p:cSld>
+    <p:spTree>
+      <p:nvGrpSpPr>
+        <p:cNvPr id="1" name=""/>
+        <p:cNvGrpSpPr/>
+        <p:nvPr/>
+      </p:nvGrpSpPr>
+      <p:grpSpPr>
+        <a:xfrm>
+          <a:off x="0" y="0"/>
+          <a:ext cx="0" cy="0"/>
+          <a:chOff x="0" y="0"/>
+          <a:chExt cx="0" cy="0"/>
+        </a:xfrm>
+      </p:grpSpPr>
+      <p:sp>
+        <p:nvSpPr>
+          <p:cNvPr id="2" name="Заголовок 1"/>
+          <p:cNvSpPr>
+            <a:spLocks noGrp="1"/>
+          </p:cNvSpPr>
+          <p:nvPr>
+            <p:ph type="title"/>
+          </p:nvPr>
+        </p:nvSpPr>
+        <p:spPr/>
+        <p:txBody>
+          <a:bodyPr/>
+          <a:lstStyle/>
+          <a:p>
+            <a:r>
+              <a:rPr lang="ru-RU" dirty="0" smtClean="0"/>
+              <a:t>Минусы</a:t>
+            </a:r>
+            <a:endParaRPr lang="ru-RU" dirty="0"/>
+          </a:p>
+        </p:txBody>
+      </p:sp>
+      <p:sp>
+        <p:nvSpPr>
+          <p:cNvPr id="3" name="Объект 2"/>
+          <p:cNvSpPr>
+            <a:spLocks noGrp="1"/>
+          </p:cNvSpPr>
+          <p:nvPr>
+            <p:ph sz="half" idx="1"/>
+          </p:nvPr>
+        </p:nvSpPr>
+        <p:spPr/>
+        <p:txBody>
+          <a:bodyPr/>
+          <a:lstStyle/>
+          <a:p>
+            <a:r>
+              <a:rPr lang="ru-RU" dirty="0" smtClean="0"/>
+              <a:t>Программа не работает с вещественными числами</a:t>
+            </a:r>
+            <a:r>
+              <a:rPr lang="en-US" dirty="0"/>
+              <a:t>.</a:t>
+            </a:r>
+            <a:endParaRPr lang="ru-RU" dirty="0"/>
+          </a:p>
+        </p:txBody>
+      </p:sp>
+      <p:sp>
+        <p:nvSpPr>
+          <p:cNvPr id="4" name="Объект 3"/>
+          <p:cNvSpPr>
+            <a:spLocks noGrp="1"/>
+          </p:cNvSpPr>
+          <p:nvPr>
+            <p:ph sz="half" idx="2"/>
+          </p:nvPr>
+        </p:nvSpPr>
+        <p:spPr/>
+        <p:txBody>
+          <a:bodyPr/>
+          <a:lstStyle/>
+          <a:p>
+            <a:pPr marL="137160" indent="0">
+              <a:buNone/>
+            </a:pPr>
+            <a:endParaRPr lang="ru-RU" dirty="0"/>
+          </a:p>
+        </p:txBody>
+      </p:sp>
+    </p:spTree>
+    <p:extLst>
+      <p:ext uri="{BB962C8B-B14F-4D97-AF65-F5344CB8AC3E}">
+        <p14:creationId xmlns:p14="http://schemas.microsoft.com/office/powerpoint/2010/main" val="344075987"/>
+      </p:ext>
+    </p:extLst>
+  </p:cSld>
+  <p:clrMapOvr>
+    <a:masterClrMapping/>
+  </p:clrMapOvr>
+</p:sld>
+</file>
+
+<file path=ppt/slides/slide5.xml><?xml version="1.0" encoding="utf-8"?>
 <p:sld xmlns:a="http://schemas.openxmlformats.org/drawingml/2006/main" xmlns:r="http://schemas.openxmlformats.org/officeDocument/2006/relationships" xmlns:p="http://schemas.openxmlformats.org/presentationml/2006/main">
   <p:cSld>
     <p:spTree>
@@ -3701,7 +3800,7 @@
 </p:sld>
 </file>
 
-<file path=ppt/slides/slide5.xml><?xml version="1.0" encoding="utf-8"?>
+<file path=ppt/slides/slide6.xml><?xml version="1.0" encoding="utf-8"?>
 <p:sld xmlns:a="http://schemas.openxmlformats.org/drawingml/2006/main" xmlns:r="http://schemas.openxmlformats.org/officeDocument/2006/relationships" xmlns:p="http://schemas.openxmlformats.org/presentationml/2006/main">
   <p:cSld>
     <p:spTree>
@@ -3987,6 +4086,158 @@
       </p:par>
     </p:tnLst>
   </p:timing>
+</p:sld>
+</file>
+
+<file path=ppt/slides/slide7.xml><?xml version="1.0" encoding="utf-8"?>
+<p:sld xmlns:a="http://schemas.openxmlformats.org/drawingml/2006/main" xmlns:r="http://schemas.openxmlformats.org/officeDocument/2006/relationships" xmlns:p="http://schemas.openxmlformats.org/presentationml/2006/main">
+  <p:cSld>
+    <p:spTree>
+      <p:nvGrpSpPr>
+        <p:cNvPr id="1" name=""/>
+        <p:cNvGrpSpPr/>
+        <p:nvPr/>
+      </p:nvGrpSpPr>
+      <p:grpSpPr>
+        <a:xfrm>
+          <a:off x="0" y="0"/>
+          <a:ext cx="0" cy="0"/>
+          <a:chOff x="0" y="0"/>
+          <a:chExt cx="0" cy="0"/>
+        </a:xfrm>
+      </p:grpSpPr>
+      <p:sp>
+        <p:nvSpPr>
+          <p:cNvPr id="2" name="Заголовок 1"/>
+          <p:cNvSpPr>
+            <a:spLocks noGrp="1"/>
+          </p:cNvSpPr>
+          <p:nvPr>
+            <p:ph type="title"/>
+          </p:nvPr>
+        </p:nvSpPr>
+        <p:spPr/>
+        <p:txBody>
+          <a:bodyPr/>
+          <a:lstStyle/>
+          <a:p>
+            <a:r>
+              <a:rPr lang="ru-RU" dirty="0" smtClean="0"/>
+              <a:t>Вывод</a:t>
+            </a:r>
+            <a:endParaRPr lang="ru-RU" dirty="0"/>
+          </a:p>
+        </p:txBody>
+      </p:sp>
+      <p:sp>
+        <p:nvSpPr>
+          <p:cNvPr id="3" name="Текст 2"/>
+          <p:cNvSpPr>
+            <a:spLocks noGrp="1"/>
+          </p:cNvSpPr>
+          <p:nvPr>
+            <p:ph type="body" idx="1"/>
+          </p:nvPr>
+        </p:nvSpPr>
+        <p:spPr/>
+        <p:txBody>
+          <a:bodyPr/>
+          <a:lstStyle/>
+          <a:p>
+            <a:endParaRPr lang="ru-RU" dirty="0"/>
+          </a:p>
+        </p:txBody>
+      </p:sp>
+      <p:sp>
+        <p:nvSpPr>
+          <p:cNvPr id="4" name="Текст 3"/>
+          <p:cNvSpPr>
+            <a:spLocks noGrp="1"/>
+          </p:cNvSpPr>
+          <p:nvPr>
+            <p:ph type="body" sz="half" idx="3"/>
+          </p:nvPr>
+        </p:nvSpPr>
+        <p:spPr/>
+        <p:txBody>
+          <a:bodyPr/>
+          <a:lstStyle/>
+          <a:p>
+            <a:endParaRPr lang="ru-RU"/>
+          </a:p>
+        </p:txBody>
+      </p:sp>
+      <p:sp>
+        <p:nvSpPr>
+          <p:cNvPr id="5" name="Объект 4"/>
+          <p:cNvSpPr>
+            <a:spLocks noGrp="1"/>
+          </p:cNvSpPr>
+          <p:nvPr>
+            <p:ph sz="quarter" idx="2"/>
+          </p:nvPr>
+        </p:nvSpPr>
+        <p:spPr/>
+        <p:txBody>
+          <a:bodyPr/>
+          <a:lstStyle/>
+          <a:p>
+            <a:pPr marL="137160" indent="0">
+              <a:buNone/>
+            </a:pPr>
+            <a:r>
+              <a:rPr lang="ru-RU" dirty="0" smtClean="0"/>
+              <a:t>Будет добавлена возможность работы с вещественными числами</a:t>
+            </a:r>
+            <a:r>
+              <a:rPr lang="en-US" dirty="0" smtClean="0"/>
+              <a:t>.</a:t>
+            </a:r>
+            <a:endParaRPr lang="ru-RU" dirty="0"/>
+          </a:p>
+        </p:txBody>
+      </p:sp>
+      <p:sp>
+        <p:nvSpPr>
+          <p:cNvPr id="6" name="Объект 5"/>
+          <p:cNvSpPr>
+            <a:spLocks noGrp="1"/>
+          </p:cNvSpPr>
+          <p:nvPr>
+            <p:ph sz="quarter" idx="4"/>
+          </p:nvPr>
+        </p:nvSpPr>
+        <p:spPr/>
+        <p:txBody>
+          <a:bodyPr/>
+          <a:lstStyle/>
+          <a:p>
+            <a:r>
+              <a:rPr lang="ru-RU" dirty="0" smtClean="0"/>
+              <a:t>Будет добавлен график функции через </a:t>
+            </a:r>
+            <a:r>
+              <a:rPr lang="en-US" dirty="0" err="1" smtClean="0"/>
+              <a:t>Pygraph</a:t>
+            </a:r>
+            <a:r>
+              <a:rPr lang="en-US" dirty="0" smtClean="0"/>
+              <a:t>.</a:t>
+            </a:r>
+            <a:endParaRPr lang="ru-RU" dirty="0"/>
+          </a:p>
+        </p:txBody>
+      </p:sp>
+    </p:spTree>
+    <p:extLst>
+      <p:ext uri="{BB962C8B-B14F-4D97-AF65-F5344CB8AC3E}">
+        <p14:creationId xmlns:p14="http://schemas.microsoft.com/office/powerpoint/2010/main" val="1099587463"/>
+      </p:ext>
+    </p:extLst>
+  </p:cSld>
+  <p:clrMapOvr>
+    <a:masterClrMapping/>
+  </p:clrMapOvr>
 </p:sld>
 </file>
 
